--- a/Final_Slides_Template.pptx
+++ b/Final_Slides_Template.pptx
@@ -5,21 +5,19 @@
     <p:sldMasterId id="2147483648" r:id="rId1"/>
   </p:sldMasterIdLst>
   <p:notesMasterIdLst>
-    <p:notesMasterId r:id="rId11"/>
+    <p:notesMasterId r:id="rId9"/>
   </p:notesMasterIdLst>
   <p:handoutMasterIdLst>
-    <p:handoutMasterId r:id="rId12"/>
+    <p:handoutMasterId r:id="rId10"/>
   </p:handoutMasterIdLst>
   <p:sldIdLst>
     <p:sldId id="482" r:id="rId2"/>
     <p:sldId id="486" r:id="rId3"/>
     <p:sldId id="489" r:id="rId4"/>
-    <p:sldId id="492" r:id="rId5"/>
-    <p:sldId id="490" r:id="rId6"/>
-    <p:sldId id="491" r:id="rId7"/>
-    <p:sldId id="493" r:id="rId8"/>
-    <p:sldId id="494" r:id="rId9"/>
-    <p:sldId id="488" r:id="rId10"/>
+    <p:sldId id="490" r:id="rId5"/>
+    <p:sldId id="491" r:id="rId6"/>
+    <p:sldId id="493" r:id="rId7"/>
+    <p:sldId id="488" r:id="rId8"/>
   </p:sldIdLst>
   <p:sldSz cx="12188825" cy="6858000"/>
   <p:notesSz cx="7010400" cy="9296400"/>
@@ -1026,7 +1024,7 @@
     </p:spTree>
     <p:extLst>
       <p:ext uri="{BB962C8B-B14F-4D97-AF65-F5344CB8AC3E}">
-        <p14:creationId xmlns:p14="http://schemas.microsoft.com/office/powerpoint/2010/main" val="3253091381"/>
+        <p14:creationId xmlns:p14="http://schemas.microsoft.com/office/powerpoint/2010/main" val="328505061"/>
       </p:ext>
     </p:extLst>
   </p:cSld>
@@ -1194,7 +1192,7 @@
     </p:spTree>
     <p:extLst>
       <p:ext uri="{BB962C8B-B14F-4D97-AF65-F5344CB8AC3E}">
-        <p14:creationId xmlns:p14="http://schemas.microsoft.com/office/powerpoint/2010/main" val="328505061"/>
+        <p14:creationId xmlns:p14="http://schemas.microsoft.com/office/powerpoint/2010/main" val="1388613636"/>
       </p:ext>
     </p:extLst>
   </p:cSld>
@@ -1248,7 +1246,7 @@
           <a:bodyPr/>
           <a:lstStyle/>
           <a:p>
-            <a:endParaRPr lang="en-US" dirty="0"/>
+            <a:endParaRPr lang="en-US"/>
           </a:p>
         </p:txBody>
       </p:sp>
@@ -1270,174 +1268,6 @@
             <a:fld id="{238AFF05-E5B7-2C4D-9C2F-C3B9FDBBEC3D}" type="slidenum">
               <a:rPr lang="en-US" smtClean="0"/>
               <a:t>7</a:t>
-            </a:fld>
-            <a:endParaRPr lang="en-US" dirty="0"/>
-          </a:p>
-        </p:txBody>
-      </p:sp>
-    </p:spTree>
-    <p:extLst>
-      <p:ext uri="{BB962C8B-B14F-4D97-AF65-F5344CB8AC3E}">
-        <p14:creationId xmlns:p14="http://schemas.microsoft.com/office/powerpoint/2010/main" val="1388613636"/>
-      </p:ext>
-    </p:extLst>
-  </p:cSld>
-  <p:clrMapOvr>
-    <a:masterClrMapping/>
-  </p:clrMapOvr>
-</p:notes>
-</file>
-
-<file path=ppt/notesSlides/notesSlide8.xml><?xml version="1.0" encoding="utf-8"?>
-<p:notes xmlns:a="http://schemas.openxmlformats.org/drawingml/2006/main" xmlns:r="http://schemas.openxmlformats.org/officeDocument/2006/relationships" xmlns:p="http://schemas.openxmlformats.org/presentationml/2006/main">
-  <p:cSld>
-    <p:spTree>
-      <p:nvGrpSpPr>
-        <p:cNvPr id="1" name=""/>
-        <p:cNvGrpSpPr/>
-        <p:nvPr/>
-      </p:nvGrpSpPr>
-      <p:grpSpPr>
-        <a:xfrm>
-          <a:off x="0" y="0"/>
-          <a:ext cx="0" cy="0"/>
-          <a:chOff x="0" y="0"/>
-          <a:chExt cx="0" cy="0"/>
-        </a:xfrm>
-      </p:grpSpPr>
-      <p:sp>
-        <p:nvSpPr>
-          <p:cNvPr id="2" name="Slide Image Placeholder 1"/>
-          <p:cNvSpPr>
-            <a:spLocks noGrp="1" noRot="1" noChangeAspect="1"/>
-          </p:cNvSpPr>
-          <p:nvPr>
-            <p:ph type="sldImg"/>
-          </p:nvPr>
-        </p:nvSpPr>
-        <p:spPr/>
-      </p:sp>
-      <p:sp>
-        <p:nvSpPr>
-          <p:cNvPr id="3" name="Notes Placeholder 2"/>
-          <p:cNvSpPr>
-            <a:spLocks noGrp="1"/>
-          </p:cNvSpPr>
-          <p:nvPr>
-            <p:ph type="body" idx="1"/>
-          </p:nvPr>
-        </p:nvSpPr>
-        <p:spPr/>
-        <p:txBody>
-          <a:bodyPr/>
-          <a:lstStyle/>
-          <a:p>
-            <a:endParaRPr lang="en-US" dirty="0"/>
-          </a:p>
-        </p:txBody>
-      </p:sp>
-      <p:sp>
-        <p:nvSpPr>
-          <p:cNvPr id="4" name="Slide Number Placeholder 3"/>
-          <p:cNvSpPr>
-            <a:spLocks noGrp="1"/>
-          </p:cNvSpPr>
-          <p:nvPr>
-            <p:ph type="sldNum" sz="quarter" idx="10"/>
-          </p:nvPr>
-        </p:nvSpPr>
-        <p:spPr/>
-        <p:txBody>
-          <a:bodyPr/>
-          <a:lstStyle/>
-          <a:p>
-            <a:fld id="{238AFF05-E5B7-2C4D-9C2F-C3B9FDBBEC3D}" type="slidenum">
-              <a:rPr lang="en-US" smtClean="0"/>
-              <a:t>8</a:t>
-            </a:fld>
-            <a:endParaRPr lang="en-US" dirty="0"/>
-          </a:p>
-        </p:txBody>
-      </p:sp>
-    </p:spTree>
-    <p:extLst>
-      <p:ext uri="{BB962C8B-B14F-4D97-AF65-F5344CB8AC3E}">
-        <p14:creationId xmlns:p14="http://schemas.microsoft.com/office/powerpoint/2010/main" val="1665936824"/>
-      </p:ext>
-    </p:extLst>
-  </p:cSld>
-  <p:clrMapOvr>
-    <a:masterClrMapping/>
-  </p:clrMapOvr>
-</p:notes>
-</file>
-
-<file path=ppt/notesSlides/notesSlide9.xml><?xml version="1.0" encoding="utf-8"?>
-<p:notes xmlns:a="http://schemas.openxmlformats.org/drawingml/2006/main" xmlns:r="http://schemas.openxmlformats.org/officeDocument/2006/relationships" xmlns:p="http://schemas.openxmlformats.org/presentationml/2006/main">
-  <p:cSld>
-    <p:spTree>
-      <p:nvGrpSpPr>
-        <p:cNvPr id="1" name=""/>
-        <p:cNvGrpSpPr/>
-        <p:nvPr/>
-      </p:nvGrpSpPr>
-      <p:grpSpPr>
-        <a:xfrm>
-          <a:off x="0" y="0"/>
-          <a:ext cx="0" cy="0"/>
-          <a:chOff x="0" y="0"/>
-          <a:chExt cx="0" cy="0"/>
-        </a:xfrm>
-      </p:grpSpPr>
-      <p:sp>
-        <p:nvSpPr>
-          <p:cNvPr id="2" name="Slide Image Placeholder 1"/>
-          <p:cNvSpPr>
-            <a:spLocks noGrp="1" noRot="1" noChangeAspect="1"/>
-          </p:cNvSpPr>
-          <p:nvPr>
-            <p:ph type="sldImg"/>
-          </p:nvPr>
-        </p:nvSpPr>
-        <p:spPr/>
-      </p:sp>
-      <p:sp>
-        <p:nvSpPr>
-          <p:cNvPr id="3" name="Notes Placeholder 2"/>
-          <p:cNvSpPr>
-            <a:spLocks noGrp="1"/>
-          </p:cNvSpPr>
-          <p:nvPr>
-            <p:ph type="body" idx="1"/>
-          </p:nvPr>
-        </p:nvSpPr>
-        <p:spPr/>
-        <p:txBody>
-          <a:bodyPr/>
-          <a:lstStyle/>
-          <a:p>
-            <a:endParaRPr lang="en-US"/>
-          </a:p>
-        </p:txBody>
-      </p:sp>
-      <p:sp>
-        <p:nvSpPr>
-          <p:cNvPr id="4" name="Slide Number Placeholder 3"/>
-          <p:cNvSpPr>
-            <a:spLocks noGrp="1"/>
-          </p:cNvSpPr>
-          <p:nvPr>
-            <p:ph type="sldNum" sz="quarter" idx="10"/>
-          </p:nvPr>
-        </p:nvSpPr>
-        <p:spPr/>
-        <p:txBody>
-          <a:bodyPr/>
-          <a:lstStyle/>
-          <a:p>
-            <a:fld id="{238AFF05-E5B7-2C4D-9C2F-C3B9FDBBEC3D}" type="slidenum">
-              <a:rPr lang="en-US" smtClean="0"/>
-              <a:t>9</a:t>
             </a:fld>
             <a:endParaRPr lang="en-US" dirty="0"/>
           </a:p>
@@ -12368,29 +12198,18 @@
           </a:p>
         </p:txBody>
       </p:sp>
-      <p:pic>
-        <p:nvPicPr>
-          <p:cNvPr id="4" name="Picture Placeholder 3"/>
-          <p:cNvPicPr>
-            <a:picLocks noGrp="1" noChangeAspect="1"/>
-          </p:cNvPicPr>
+      <p:sp>
+        <p:nvSpPr>
+          <p:cNvPr id="5" name="Picture Placeholder 4"/>
+          <p:cNvSpPr>
+            <a:spLocks noGrp="1"/>
+          </p:cNvSpPr>
           <p:nvPr>
             <p:ph type="pic" sz="quarter" idx="29"/>
           </p:nvPr>
-        </p:nvPicPr>
-        <p:blipFill rotWithShape="1">
-          <a:blip r:embed="rId3">
-            <a:extLst>
-              <a:ext uri="{28A0092B-C50C-407E-A947-70E740481C1C}">
-                <a14:useLocalDpi xmlns:a14="http://schemas.microsoft.com/office/drawing/2010/main" val="0"/>
-              </a:ext>
-            </a:extLst>
-          </a:blip>
-          <a:srcRect l="-55612" t="-2311" r="-55612" b="-2311"/>
-          <a:stretch/>
-        </p:blipFill>
+        </p:nvSpPr>
         <p:spPr/>
-      </p:pic>
+      </p:sp>
     </p:spTree>
     <p:extLst>
       <p:ext uri="{BB962C8B-B14F-4D97-AF65-F5344CB8AC3E}">
@@ -13262,8 +13081,8 @@
         </p:blipFill>
         <p:spPr>
           <a:xfrm>
-            <a:off x="5901192" y="2504796"/>
-            <a:ext cx="4531659" cy="3432013"/>
+            <a:off x="5155324" y="2504796"/>
+            <a:ext cx="5277527" cy="3996890"/>
           </a:xfrm>
           <a:prstGeom prst="rect">
             <a:avLst/>
@@ -13334,7 +13153,7 @@
           <a:p>
             <a:r>
               <a:rPr lang="en-US" dirty="0" smtClean="0"/>
-              <a:t>Defining an “exciting” run</a:t>
+              <a:t>Feature Generation</a:t>
             </a:r>
             <a:endParaRPr lang="en-US" dirty="0"/>
           </a:p>
@@ -13352,8 +13171,8 @@
         </p:nvSpPr>
         <p:spPr>
           <a:xfrm>
-            <a:off x="243341" y="2289206"/>
-            <a:ext cx="8030742" cy="2202873"/>
+            <a:off x="243340" y="2289206"/>
+            <a:ext cx="10958059" cy="2202873"/>
           </a:xfrm>
         </p:spPr>
         <p:txBody>
@@ -13362,7 +13181,43 @@
           <a:p>
             <a:r>
               <a:rPr lang="en-US" sz="3000" dirty="0" smtClean="0"/>
-              <a:t>Colorful plot</a:t>
+              <a:t>Measuring the pace </a:t>
+            </a:r>
+            <a:r>
+              <a:rPr lang="mr-IN" sz="3000" dirty="0" smtClean="0"/>
+              <a:t>–</a:t>
+            </a:r>
+            <a:r>
+              <a:rPr lang="en-US" sz="3000" dirty="0" smtClean="0"/>
+              <a:t> number of shots,  number of rebounds</a:t>
+            </a:r>
+          </a:p>
+          <a:p>
+            <a:r>
+              <a:rPr lang="en-US" sz="3000" dirty="0" smtClean="0"/>
+              <a:t>Accounting for player skill</a:t>
+            </a:r>
+            <a:r>
+              <a:rPr lang="mr-IN" sz="3000" dirty="0" smtClean="0"/>
+              <a:t>–</a:t>
+            </a:r>
+            <a:r>
+              <a:rPr lang="en-US" sz="3000" dirty="0" smtClean="0"/>
+              <a:t> how many all stars</a:t>
+            </a:r>
+          </a:p>
+          <a:p>
+            <a:r>
+              <a:rPr lang="en-US" sz="3000" dirty="0" smtClean="0"/>
+              <a:t>Team </a:t>
+            </a:r>
+            <a:r>
+              <a:rPr lang="mr-IN" sz="3000" dirty="0" smtClean="0"/>
+              <a:t>–</a:t>
+            </a:r>
+            <a:r>
+              <a:rPr lang="en-US" sz="3000" dirty="0" smtClean="0"/>
+              <a:t> not all teams are created equal</a:t>
             </a:r>
             <a:endParaRPr lang="en-US" sz="3000" dirty="0"/>
           </a:p>
@@ -13680,6 +13535,10 @@
           <a:bodyPr/>
           <a:lstStyle/>
           <a:p>
+            <a:r>
+              <a:rPr lang="en-US" b="1" i="1" dirty="0" smtClean="0"/>
+              <a:t>Capturing the variability in defining a run</a:t>
+            </a:r>
             <a:endParaRPr lang="en-US" b="1" i="1" dirty="0"/>
           </a:p>
         </p:txBody>
@@ -13687,7 +13546,7 @@
     </p:spTree>
     <p:extLst>
       <p:ext uri="{BB962C8B-B14F-4D97-AF65-F5344CB8AC3E}">
-        <p14:creationId xmlns:p14="http://schemas.microsoft.com/office/powerpoint/2010/main" val="3242843932"/>
+        <p14:creationId xmlns:p14="http://schemas.microsoft.com/office/powerpoint/2010/main" val="2477014427"/>
       </p:ext>
     </p:extLst>
   </p:cSld>
@@ -13748,7 +13607,7 @@
           <a:p>
             <a:r>
               <a:rPr lang="en-US" dirty="0" smtClean="0"/>
-              <a:t>Feature Generation</a:t>
+              <a:t>Model</a:t>
             </a:r>
             <a:endParaRPr lang="en-US" dirty="0"/>
           </a:p>
@@ -13766,8 +13625,8 @@
         </p:nvSpPr>
         <p:spPr>
           <a:xfrm>
-            <a:off x="243340" y="2289206"/>
-            <a:ext cx="10958059" cy="2202873"/>
+            <a:off x="243341" y="2289206"/>
+            <a:ext cx="8030742" cy="2202873"/>
           </a:xfrm>
         </p:spPr>
         <p:txBody>
@@ -13775,46 +13634,21 @@
           <a:lstStyle/>
           <a:p>
             <a:r>
-              <a:rPr lang="en-US" sz="3000" dirty="0" smtClean="0"/>
-              <a:t>Measuring the pace </a:t>
-            </a:r>
-            <a:r>
-              <a:rPr lang="mr-IN" sz="3000" dirty="0" smtClean="0"/>
-              <a:t>–</a:t>
-            </a:r>
-            <a:r>
-              <a:rPr lang="en-US" sz="3000" dirty="0" smtClean="0"/>
-              <a:t> number of shots,  number of rebounds</a:t>
-            </a:r>
-          </a:p>
-          <a:p>
-            <a:r>
-              <a:rPr lang="en-US" sz="3000" dirty="0" smtClean="0"/>
-              <a:t>Accounting for player skill</a:t>
-            </a:r>
-            <a:r>
-              <a:rPr lang="mr-IN" sz="3000" dirty="0" smtClean="0"/>
-              <a:t>–</a:t>
-            </a:r>
-            <a:r>
-              <a:rPr lang="en-US" sz="3000" dirty="0" smtClean="0"/>
-              <a:t> how many all stars</a:t>
-            </a:r>
-          </a:p>
-          <a:p>
-            <a:r>
-              <a:rPr lang="en-US" sz="3000" dirty="0" smtClean="0"/>
-              <a:t>Team </a:t>
-            </a:r>
-            <a:r>
-              <a:rPr lang="mr-IN" sz="3000" dirty="0" smtClean="0"/>
-              <a:t>–</a:t>
-            </a:r>
-            <a:r>
-              <a:rPr lang="en-US" sz="3000" dirty="0" smtClean="0"/>
-              <a:t> not all teams are created equal</a:t>
-            </a:r>
-            <a:endParaRPr lang="en-US" sz="3000" dirty="0"/>
+              <a:rPr lang="en-US" sz="3000" dirty="0"/>
+              <a:t>Bullet</a:t>
+            </a:r>
+          </a:p>
+          <a:p>
+            <a:r>
+              <a:rPr lang="en-US" sz="3000" dirty="0"/>
+              <a:t>Bullet</a:t>
+            </a:r>
+          </a:p>
+          <a:p>
+            <a:r>
+              <a:rPr lang="en-US" sz="3000" dirty="0"/>
+              <a:t>Visualization</a:t>
+            </a:r>
           </a:p>
         </p:txBody>
       </p:sp>
@@ -14131,10 +13965,9 @@
           <a:lstStyle/>
           <a:p>
             <a:r>
-              <a:rPr lang="en-US" b="1" i="1" dirty="0" smtClean="0"/>
-              <a:t>Capturing the variability in defining a run</a:t>
-            </a:r>
-            <a:endParaRPr lang="en-US" b="1" i="1" dirty="0"/>
+              <a:rPr lang="en-US" b="1" i="1" dirty="0"/>
+              <a:t>Subtitle</a:t>
+            </a:r>
           </a:p>
         </p:txBody>
       </p:sp>
@@ -14202,7 +14035,7 @@
           <a:p>
             <a:r>
               <a:rPr lang="en-US" dirty="0" smtClean="0"/>
-              <a:t>Model</a:t>
+              <a:t>Results</a:t>
             </a:r>
             <a:endParaRPr lang="en-US" dirty="0"/>
           </a:p>
@@ -14530,434 +14363,6 @@
               </a:rPr>
               <a:pPr/>
               <a:t>6</a:t>
-            </a:fld>
-            <a:endParaRPr lang="en-US" dirty="0">
-              <a:solidFill>
-                <a:srgbClr val="F3F2F3"/>
-              </a:solidFill>
-            </a:endParaRPr>
-          </a:p>
-        </p:txBody>
-      </p:sp>
-      <p:sp>
-        <p:nvSpPr>
-          <p:cNvPr id="9" name="Content Placeholder 2"/>
-          <p:cNvSpPr>
-            <a:spLocks noGrp="1"/>
-          </p:cNvSpPr>
-          <p:nvPr>
-            <p:ph type="body" idx="13"/>
-          </p:nvPr>
-        </p:nvSpPr>
-        <p:spPr>
-          <a:xfrm>
-            <a:off x="243341" y="1610335"/>
-            <a:ext cx="8801101" cy="678871"/>
-          </a:xfrm>
-        </p:spPr>
-        <p:txBody>
-          <a:bodyPr/>
-          <a:lstStyle/>
-          <a:p>
-            <a:r>
-              <a:rPr lang="en-US" b="1" i="1" dirty="0"/>
-              <a:t>Subtitle</a:t>
-            </a:r>
-          </a:p>
-        </p:txBody>
-      </p:sp>
-    </p:spTree>
-    <p:extLst>
-      <p:ext uri="{BB962C8B-B14F-4D97-AF65-F5344CB8AC3E}">
-        <p14:creationId xmlns:p14="http://schemas.microsoft.com/office/powerpoint/2010/main" val="2477014427"/>
-      </p:ext>
-    </p:extLst>
-  </p:cSld>
-  <p:clrMapOvr>
-    <a:masterClrMapping/>
-  </p:clrMapOvr>
-  <mc:AlternateContent xmlns:mc="http://schemas.openxmlformats.org/markup-compatibility/2006" xmlns:p14="http://schemas.microsoft.com/office/powerpoint/2010/main">
-    <mc:Choice Requires="p14">
-      <p:transition spd="med" p14:dur="700">
-        <p:fade/>
-      </p:transition>
-    </mc:Choice>
-    <mc:Fallback xmlns="">
-      <p:transition spd="med">
-        <p:fade/>
-      </p:transition>
-    </mc:Fallback>
-  </mc:AlternateContent>
-</p:sld>
-</file>
-
-<file path=ppt/slides/slide7.xml><?xml version="1.0" encoding="utf-8"?>
-<p:sld xmlns:a="http://schemas.openxmlformats.org/drawingml/2006/main" xmlns:r="http://schemas.openxmlformats.org/officeDocument/2006/relationships" xmlns:p="http://schemas.openxmlformats.org/presentationml/2006/main">
-  <p:cSld>
-    <p:spTree>
-      <p:nvGrpSpPr>
-        <p:cNvPr id="1" name=""/>
-        <p:cNvGrpSpPr/>
-        <p:nvPr/>
-      </p:nvGrpSpPr>
-      <p:grpSpPr>
-        <a:xfrm>
-          <a:off x="0" y="0"/>
-          <a:ext cx="0" cy="0"/>
-          <a:chOff x="0" y="0"/>
-          <a:chExt cx="0" cy="0"/>
-        </a:xfrm>
-      </p:grpSpPr>
-      <p:sp>
-        <p:nvSpPr>
-          <p:cNvPr id="2" name="Title 1"/>
-          <p:cNvSpPr>
-            <a:spLocks noGrp="1"/>
-          </p:cNvSpPr>
-          <p:nvPr>
-            <p:ph type="title"/>
-          </p:nvPr>
-        </p:nvSpPr>
-        <p:spPr>
-          <a:xfrm>
-            <a:off x="243341" y="454052"/>
-            <a:ext cx="10003318" cy="940693"/>
-          </a:xfrm>
-        </p:spPr>
-        <p:txBody>
-          <a:bodyPr/>
-          <a:lstStyle/>
-          <a:p>
-            <a:r>
-              <a:rPr lang="en-US" dirty="0" smtClean="0"/>
-              <a:t>Results</a:t>
-            </a:r>
-            <a:endParaRPr lang="en-US" dirty="0"/>
-          </a:p>
-        </p:txBody>
-      </p:sp>
-      <p:sp>
-        <p:nvSpPr>
-          <p:cNvPr id="3" name="Content Placeholder 2"/>
-          <p:cNvSpPr>
-            <a:spLocks noGrp="1"/>
-          </p:cNvSpPr>
-          <p:nvPr>
-            <p:ph idx="1"/>
-          </p:nvPr>
-        </p:nvSpPr>
-        <p:spPr>
-          <a:xfrm>
-            <a:off x="243341" y="2289206"/>
-            <a:ext cx="8030742" cy="2202873"/>
-          </a:xfrm>
-        </p:spPr>
-        <p:txBody>
-          <a:bodyPr/>
-          <a:lstStyle/>
-          <a:p>
-            <a:r>
-              <a:rPr lang="en-US" sz="3000" dirty="0"/>
-              <a:t>Bullet</a:t>
-            </a:r>
-          </a:p>
-          <a:p>
-            <a:r>
-              <a:rPr lang="en-US" sz="3000" dirty="0"/>
-              <a:t>Bullet</a:t>
-            </a:r>
-          </a:p>
-          <a:p>
-            <a:r>
-              <a:rPr lang="en-US" sz="3000" dirty="0"/>
-              <a:t>Visualization</a:t>
-            </a:r>
-          </a:p>
-        </p:txBody>
-      </p:sp>
-      <p:sp>
-        <p:nvSpPr>
-          <p:cNvPr id="5" name="Slide Number Placeholder 4"/>
-          <p:cNvSpPr>
-            <a:spLocks noGrp="1"/>
-          </p:cNvSpPr>
-          <p:nvPr>
-            <p:ph type="sldNum" sz="quarter" idx="30"/>
-          </p:nvPr>
-        </p:nvSpPr>
-        <p:spPr/>
-        <p:txBody>
-          <a:bodyPr/>
-          <a:lstStyle/>
-          <a:p>
-            <a:fld id="{23162CA8-8998-4CA4-A9BA-23D1B2AE931E}" type="slidenum">
-              <a:rPr lang="en-US" smtClean="0"/>
-              <a:pPr/>
-              <a:t>7</a:t>
-            </a:fld>
-            <a:endParaRPr lang="en-US" dirty="0"/>
-          </a:p>
-        </p:txBody>
-      </p:sp>
-      <p:sp>
-        <p:nvSpPr>
-          <p:cNvPr id="7" name="Slide Number Placeholder 2"/>
-          <p:cNvSpPr txBox="1">
-            <a:spLocks/>
-          </p:cNvSpPr>
-          <p:nvPr/>
-        </p:nvSpPr>
-        <p:spPr>
-          <a:xfrm>
-            <a:off x="9392305" y="6492874"/>
-            <a:ext cx="2843212" cy="365125"/>
-          </a:xfrm>
-          <a:prstGeom prst="rect">
-            <a:avLst/>
-          </a:prstGeom>
-        </p:spPr>
-        <p:txBody>
-          <a:bodyPr/>
-          <a:lstStyle>
-            <a:defPPr>
-              <a:defRPr lang="en-US"/>
-            </a:defPPr>
-            <a:lvl1pPr marL="0" algn="l" defTabSz="914400" rtl="0" eaLnBrk="1" latinLnBrk="0" hangingPunct="1">
-              <a:defRPr sz="1800" kern="1200">
-                <a:solidFill>
-                  <a:schemeClr val="tx1"/>
-                </a:solidFill>
-                <a:latin typeface="+mn-lt"/>
-                <a:ea typeface="+mn-ea"/>
-                <a:cs typeface="+mn-cs"/>
-              </a:defRPr>
-            </a:lvl1pPr>
-            <a:lvl2pPr marL="457200" algn="l" defTabSz="914400" rtl="0" eaLnBrk="1" latinLnBrk="0" hangingPunct="1">
-              <a:defRPr sz="1800" kern="1200">
-                <a:solidFill>
-                  <a:schemeClr val="tx1"/>
-                </a:solidFill>
-                <a:latin typeface="+mn-lt"/>
-                <a:ea typeface="+mn-ea"/>
-                <a:cs typeface="+mn-cs"/>
-              </a:defRPr>
-            </a:lvl2pPr>
-            <a:lvl3pPr marL="914400" algn="l" defTabSz="914400" rtl="0" eaLnBrk="1" latinLnBrk="0" hangingPunct="1">
-              <a:defRPr sz="1800" kern="1200">
-                <a:solidFill>
-                  <a:schemeClr val="tx1"/>
-                </a:solidFill>
-                <a:latin typeface="+mn-lt"/>
-                <a:ea typeface="+mn-ea"/>
-                <a:cs typeface="+mn-cs"/>
-              </a:defRPr>
-            </a:lvl3pPr>
-            <a:lvl4pPr marL="1371600" algn="l" defTabSz="914400" rtl="0" eaLnBrk="1" latinLnBrk="0" hangingPunct="1">
-              <a:defRPr sz="1800" kern="1200">
-                <a:solidFill>
-                  <a:schemeClr val="tx1"/>
-                </a:solidFill>
-                <a:latin typeface="+mn-lt"/>
-                <a:ea typeface="+mn-ea"/>
-                <a:cs typeface="+mn-cs"/>
-              </a:defRPr>
-            </a:lvl4pPr>
-            <a:lvl5pPr marL="1828800" algn="l" defTabSz="914400" rtl="0" eaLnBrk="1" latinLnBrk="0" hangingPunct="1">
-              <a:defRPr sz="1800" kern="1200">
-                <a:solidFill>
-                  <a:schemeClr val="tx1"/>
-                </a:solidFill>
-                <a:latin typeface="+mn-lt"/>
-                <a:ea typeface="+mn-ea"/>
-                <a:cs typeface="+mn-cs"/>
-              </a:defRPr>
-            </a:lvl5pPr>
-            <a:lvl6pPr marL="2286000" algn="l" defTabSz="914400" rtl="0" eaLnBrk="1" latinLnBrk="0" hangingPunct="1">
-              <a:defRPr sz="1800" kern="1200">
-                <a:solidFill>
-                  <a:schemeClr val="tx1"/>
-                </a:solidFill>
-                <a:latin typeface="+mn-lt"/>
-                <a:ea typeface="+mn-ea"/>
-                <a:cs typeface="+mn-cs"/>
-              </a:defRPr>
-            </a:lvl6pPr>
-            <a:lvl7pPr marL="2743200" algn="l" defTabSz="914400" rtl="0" eaLnBrk="1" latinLnBrk="0" hangingPunct="1">
-              <a:defRPr sz="1800" kern="1200">
-                <a:solidFill>
-                  <a:schemeClr val="tx1"/>
-                </a:solidFill>
-                <a:latin typeface="+mn-lt"/>
-                <a:ea typeface="+mn-ea"/>
-                <a:cs typeface="+mn-cs"/>
-              </a:defRPr>
-            </a:lvl7pPr>
-            <a:lvl8pPr marL="3200400" algn="l" defTabSz="914400" rtl="0" eaLnBrk="1" latinLnBrk="0" hangingPunct="1">
-              <a:defRPr sz="1800" kern="1200">
-                <a:solidFill>
-                  <a:schemeClr val="tx1"/>
-                </a:solidFill>
-                <a:latin typeface="+mn-lt"/>
-                <a:ea typeface="+mn-ea"/>
-                <a:cs typeface="+mn-cs"/>
-              </a:defRPr>
-            </a:lvl8pPr>
-            <a:lvl9pPr marL="3657600" algn="l" defTabSz="914400" rtl="0" eaLnBrk="1" latinLnBrk="0" hangingPunct="1">
-              <a:defRPr sz="1800" kern="1200">
-                <a:solidFill>
-                  <a:schemeClr val="tx1"/>
-                </a:solidFill>
-                <a:latin typeface="+mn-lt"/>
-                <a:ea typeface="+mn-ea"/>
-                <a:cs typeface="+mn-cs"/>
-              </a:defRPr>
-            </a:lvl9pPr>
-          </a:lstStyle>
-          <a:p>
-            <a:pPr algn="r"/>
-            <a:fld id="{23162CA8-8998-4CA4-A9BA-23D1B2AE931E}" type="slidenum">
-              <a:rPr lang="en-US" sz="1200" smtClean="0">
-                <a:solidFill>
-                  <a:srgbClr val="F3F2F3"/>
-                </a:solidFill>
-              </a:rPr>
-              <a:pPr algn="r"/>
-              <a:t>7</a:t>
-            </a:fld>
-            <a:endParaRPr lang="en-US" sz="1200" dirty="0">
-              <a:solidFill>
-                <a:srgbClr val="F3F2F3"/>
-              </a:solidFill>
-            </a:endParaRPr>
-          </a:p>
-        </p:txBody>
-      </p:sp>
-      <p:sp>
-        <p:nvSpPr>
-          <p:cNvPr id="8" name="Slide Number Placeholder 1"/>
-          <p:cNvSpPr txBox="1">
-            <a:spLocks/>
-          </p:cNvSpPr>
-          <p:nvPr/>
-        </p:nvSpPr>
-        <p:spPr>
-          <a:xfrm>
-            <a:off x="9344026" y="6492876"/>
-            <a:ext cx="2843211" cy="365125"/>
-          </a:xfrm>
-          <a:prstGeom prst="rect">
-            <a:avLst/>
-          </a:prstGeom>
-        </p:spPr>
-        <p:txBody>
-          <a:bodyPr vert="horz" lIns="91440" tIns="45720" rIns="91440" bIns="45720" rtlCol="0" anchor="ctr"/>
-          <a:lstStyle>
-            <a:defPPr>
-              <a:defRPr lang="en-US"/>
-            </a:defPPr>
-            <a:lvl1pPr marL="0" algn="r" defTabSz="914400" rtl="0" eaLnBrk="1" latinLnBrk="0" hangingPunct="1">
-              <a:defRPr sz="1200" kern="1200">
-                <a:solidFill>
-                  <a:schemeClr val="tx1">
-                    <a:lumMod val="95000"/>
-                    <a:lumOff val="5000"/>
-                  </a:schemeClr>
-                </a:solidFill>
-                <a:latin typeface="+mn-lt"/>
-                <a:ea typeface="+mn-ea"/>
-                <a:cs typeface="+mn-cs"/>
-              </a:defRPr>
-            </a:lvl1pPr>
-            <a:lvl2pPr marL="457200" algn="l" defTabSz="914400" rtl="0" eaLnBrk="1" latinLnBrk="0" hangingPunct="1">
-              <a:defRPr sz="1800" kern="1200">
-                <a:solidFill>
-                  <a:schemeClr val="tx1"/>
-                </a:solidFill>
-                <a:latin typeface="+mn-lt"/>
-                <a:ea typeface="+mn-ea"/>
-                <a:cs typeface="+mn-cs"/>
-              </a:defRPr>
-            </a:lvl2pPr>
-            <a:lvl3pPr marL="914400" algn="l" defTabSz="914400" rtl="0" eaLnBrk="1" latinLnBrk="0" hangingPunct="1">
-              <a:defRPr sz="1800" kern="1200">
-                <a:solidFill>
-                  <a:schemeClr val="tx1"/>
-                </a:solidFill>
-                <a:latin typeface="+mn-lt"/>
-                <a:ea typeface="+mn-ea"/>
-                <a:cs typeface="+mn-cs"/>
-              </a:defRPr>
-            </a:lvl3pPr>
-            <a:lvl4pPr marL="1371600" algn="l" defTabSz="914400" rtl="0" eaLnBrk="1" latinLnBrk="0" hangingPunct="1">
-              <a:defRPr sz="1800" kern="1200">
-                <a:solidFill>
-                  <a:schemeClr val="tx1"/>
-                </a:solidFill>
-                <a:latin typeface="+mn-lt"/>
-                <a:ea typeface="+mn-ea"/>
-                <a:cs typeface="+mn-cs"/>
-              </a:defRPr>
-            </a:lvl4pPr>
-            <a:lvl5pPr marL="1828800" algn="l" defTabSz="914400" rtl="0" eaLnBrk="1" latinLnBrk="0" hangingPunct="1">
-              <a:defRPr sz="1800" kern="1200">
-                <a:solidFill>
-                  <a:schemeClr val="tx1"/>
-                </a:solidFill>
-                <a:latin typeface="+mn-lt"/>
-                <a:ea typeface="+mn-ea"/>
-                <a:cs typeface="+mn-cs"/>
-              </a:defRPr>
-            </a:lvl5pPr>
-            <a:lvl6pPr marL="2286000" algn="l" defTabSz="914400" rtl="0" eaLnBrk="1" latinLnBrk="0" hangingPunct="1">
-              <a:defRPr sz="1800" kern="1200">
-                <a:solidFill>
-                  <a:schemeClr val="tx1"/>
-                </a:solidFill>
-                <a:latin typeface="+mn-lt"/>
-                <a:ea typeface="+mn-ea"/>
-                <a:cs typeface="+mn-cs"/>
-              </a:defRPr>
-            </a:lvl6pPr>
-            <a:lvl7pPr marL="2743200" algn="l" defTabSz="914400" rtl="0" eaLnBrk="1" latinLnBrk="0" hangingPunct="1">
-              <a:defRPr sz="1800" kern="1200">
-                <a:solidFill>
-                  <a:schemeClr val="tx1"/>
-                </a:solidFill>
-                <a:latin typeface="+mn-lt"/>
-                <a:ea typeface="+mn-ea"/>
-                <a:cs typeface="+mn-cs"/>
-              </a:defRPr>
-            </a:lvl7pPr>
-            <a:lvl8pPr marL="3200400" algn="l" defTabSz="914400" rtl="0" eaLnBrk="1" latinLnBrk="0" hangingPunct="1">
-              <a:defRPr sz="1800" kern="1200">
-                <a:solidFill>
-                  <a:schemeClr val="tx1"/>
-                </a:solidFill>
-                <a:latin typeface="+mn-lt"/>
-                <a:ea typeface="+mn-ea"/>
-                <a:cs typeface="+mn-cs"/>
-              </a:defRPr>
-            </a:lvl8pPr>
-            <a:lvl9pPr marL="3657600" algn="l" defTabSz="914400" rtl="0" eaLnBrk="1" latinLnBrk="0" hangingPunct="1">
-              <a:defRPr sz="1800" kern="1200">
-                <a:solidFill>
-                  <a:schemeClr val="tx1"/>
-                </a:solidFill>
-                <a:latin typeface="+mn-lt"/>
-                <a:ea typeface="+mn-ea"/>
-                <a:cs typeface="+mn-cs"/>
-              </a:defRPr>
-            </a:lvl9pPr>
-          </a:lstStyle>
-          <a:p>
-            <a:fld id="{23162CA8-8998-4CA4-A9BA-23D1B2AE931E}" type="slidenum">
-              <a:rPr lang="en-US" smtClean="0">
-                <a:solidFill>
-                  <a:srgbClr val="F3F2F3"/>
-                </a:solidFill>
-              </a:rPr>
-              <a:pPr/>
-              <a:t>7</a:t>
             </a:fld>
             <a:endParaRPr lang="en-US" dirty="0">
               <a:solidFill>
@@ -15019,439 +14424,7 @@
 </p:sld>
 </file>
 
-<file path=ppt/slides/slide8.xml><?xml version="1.0" encoding="utf-8"?>
-<p:sld xmlns:a="http://schemas.openxmlformats.org/drawingml/2006/main" xmlns:r="http://schemas.openxmlformats.org/officeDocument/2006/relationships" xmlns:p="http://schemas.openxmlformats.org/presentationml/2006/main">
-  <p:cSld>
-    <p:spTree>
-      <p:nvGrpSpPr>
-        <p:cNvPr id="1" name=""/>
-        <p:cNvGrpSpPr/>
-        <p:nvPr/>
-      </p:nvGrpSpPr>
-      <p:grpSpPr>
-        <a:xfrm>
-          <a:off x="0" y="0"/>
-          <a:ext cx="0" cy="0"/>
-          <a:chOff x="0" y="0"/>
-          <a:chExt cx="0" cy="0"/>
-        </a:xfrm>
-      </p:grpSpPr>
-      <p:sp>
-        <p:nvSpPr>
-          <p:cNvPr id="2" name="Title 1"/>
-          <p:cNvSpPr>
-            <a:spLocks noGrp="1"/>
-          </p:cNvSpPr>
-          <p:nvPr>
-            <p:ph type="title"/>
-          </p:nvPr>
-        </p:nvSpPr>
-        <p:spPr>
-          <a:xfrm>
-            <a:off x="243341" y="454052"/>
-            <a:ext cx="10003318" cy="940693"/>
-          </a:xfrm>
-        </p:spPr>
-        <p:txBody>
-          <a:bodyPr/>
-          <a:lstStyle/>
-          <a:p>
-            <a:r>
-              <a:rPr lang="en-US" dirty="0" smtClean="0"/>
-              <a:t>Take </a:t>
-            </a:r>
-            <a:r>
-              <a:rPr lang="en-US" dirty="0" err="1" smtClean="0"/>
-              <a:t>Aways</a:t>
-            </a:r>
-            <a:endParaRPr lang="en-US" dirty="0"/>
-          </a:p>
-        </p:txBody>
-      </p:sp>
-      <p:sp>
-        <p:nvSpPr>
-          <p:cNvPr id="3" name="Content Placeholder 2"/>
-          <p:cNvSpPr>
-            <a:spLocks noGrp="1"/>
-          </p:cNvSpPr>
-          <p:nvPr>
-            <p:ph idx="1"/>
-          </p:nvPr>
-        </p:nvSpPr>
-        <p:spPr>
-          <a:xfrm>
-            <a:off x="243341" y="2289206"/>
-            <a:ext cx="8030742" cy="2202873"/>
-          </a:xfrm>
-        </p:spPr>
-        <p:txBody>
-          <a:bodyPr/>
-          <a:lstStyle/>
-          <a:p>
-            <a:r>
-              <a:rPr lang="en-US" sz="3000" dirty="0"/>
-              <a:t>Bullet</a:t>
-            </a:r>
-          </a:p>
-          <a:p>
-            <a:r>
-              <a:rPr lang="en-US" sz="3000" dirty="0"/>
-              <a:t>Bullet</a:t>
-            </a:r>
-          </a:p>
-          <a:p>
-            <a:r>
-              <a:rPr lang="en-US" sz="3000" dirty="0"/>
-              <a:t>Visualization</a:t>
-            </a:r>
-          </a:p>
-        </p:txBody>
-      </p:sp>
-      <p:sp>
-        <p:nvSpPr>
-          <p:cNvPr id="5" name="Slide Number Placeholder 4"/>
-          <p:cNvSpPr>
-            <a:spLocks noGrp="1"/>
-          </p:cNvSpPr>
-          <p:nvPr>
-            <p:ph type="sldNum" sz="quarter" idx="30"/>
-          </p:nvPr>
-        </p:nvSpPr>
-        <p:spPr/>
-        <p:txBody>
-          <a:bodyPr/>
-          <a:lstStyle/>
-          <a:p>
-            <a:fld id="{23162CA8-8998-4CA4-A9BA-23D1B2AE931E}" type="slidenum">
-              <a:rPr lang="en-US" smtClean="0"/>
-              <a:pPr/>
-              <a:t>8</a:t>
-            </a:fld>
-            <a:endParaRPr lang="en-US" dirty="0"/>
-          </a:p>
-        </p:txBody>
-      </p:sp>
-      <p:sp>
-        <p:nvSpPr>
-          <p:cNvPr id="7" name="Slide Number Placeholder 2"/>
-          <p:cNvSpPr txBox="1">
-            <a:spLocks/>
-          </p:cNvSpPr>
-          <p:nvPr/>
-        </p:nvSpPr>
-        <p:spPr>
-          <a:xfrm>
-            <a:off x="9392305" y="6492874"/>
-            <a:ext cx="2843212" cy="365125"/>
-          </a:xfrm>
-          <a:prstGeom prst="rect">
-            <a:avLst/>
-          </a:prstGeom>
-        </p:spPr>
-        <p:txBody>
-          <a:bodyPr/>
-          <a:lstStyle>
-            <a:defPPr>
-              <a:defRPr lang="en-US"/>
-            </a:defPPr>
-            <a:lvl1pPr marL="0" algn="l" defTabSz="914400" rtl="0" eaLnBrk="1" latinLnBrk="0" hangingPunct="1">
-              <a:defRPr sz="1800" kern="1200">
-                <a:solidFill>
-                  <a:schemeClr val="tx1"/>
-                </a:solidFill>
-                <a:latin typeface="+mn-lt"/>
-                <a:ea typeface="+mn-ea"/>
-                <a:cs typeface="+mn-cs"/>
-              </a:defRPr>
-            </a:lvl1pPr>
-            <a:lvl2pPr marL="457200" algn="l" defTabSz="914400" rtl="0" eaLnBrk="1" latinLnBrk="0" hangingPunct="1">
-              <a:defRPr sz="1800" kern="1200">
-                <a:solidFill>
-                  <a:schemeClr val="tx1"/>
-                </a:solidFill>
-                <a:latin typeface="+mn-lt"/>
-                <a:ea typeface="+mn-ea"/>
-                <a:cs typeface="+mn-cs"/>
-              </a:defRPr>
-            </a:lvl2pPr>
-            <a:lvl3pPr marL="914400" algn="l" defTabSz="914400" rtl="0" eaLnBrk="1" latinLnBrk="0" hangingPunct="1">
-              <a:defRPr sz="1800" kern="1200">
-                <a:solidFill>
-                  <a:schemeClr val="tx1"/>
-                </a:solidFill>
-                <a:latin typeface="+mn-lt"/>
-                <a:ea typeface="+mn-ea"/>
-                <a:cs typeface="+mn-cs"/>
-              </a:defRPr>
-            </a:lvl3pPr>
-            <a:lvl4pPr marL="1371600" algn="l" defTabSz="914400" rtl="0" eaLnBrk="1" latinLnBrk="0" hangingPunct="1">
-              <a:defRPr sz="1800" kern="1200">
-                <a:solidFill>
-                  <a:schemeClr val="tx1"/>
-                </a:solidFill>
-                <a:latin typeface="+mn-lt"/>
-                <a:ea typeface="+mn-ea"/>
-                <a:cs typeface="+mn-cs"/>
-              </a:defRPr>
-            </a:lvl4pPr>
-            <a:lvl5pPr marL="1828800" algn="l" defTabSz="914400" rtl="0" eaLnBrk="1" latinLnBrk="0" hangingPunct="1">
-              <a:defRPr sz="1800" kern="1200">
-                <a:solidFill>
-                  <a:schemeClr val="tx1"/>
-                </a:solidFill>
-                <a:latin typeface="+mn-lt"/>
-                <a:ea typeface="+mn-ea"/>
-                <a:cs typeface="+mn-cs"/>
-              </a:defRPr>
-            </a:lvl5pPr>
-            <a:lvl6pPr marL="2286000" algn="l" defTabSz="914400" rtl="0" eaLnBrk="1" latinLnBrk="0" hangingPunct="1">
-              <a:defRPr sz="1800" kern="1200">
-                <a:solidFill>
-                  <a:schemeClr val="tx1"/>
-                </a:solidFill>
-                <a:latin typeface="+mn-lt"/>
-                <a:ea typeface="+mn-ea"/>
-                <a:cs typeface="+mn-cs"/>
-              </a:defRPr>
-            </a:lvl6pPr>
-            <a:lvl7pPr marL="2743200" algn="l" defTabSz="914400" rtl="0" eaLnBrk="1" latinLnBrk="0" hangingPunct="1">
-              <a:defRPr sz="1800" kern="1200">
-                <a:solidFill>
-                  <a:schemeClr val="tx1"/>
-                </a:solidFill>
-                <a:latin typeface="+mn-lt"/>
-                <a:ea typeface="+mn-ea"/>
-                <a:cs typeface="+mn-cs"/>
-              </a:defRPr>
-            </a:lvl7pPr>
-            <a:lvl8pPr marL="3200400" algn="l" defTabSz="914400" rtl="0" eaLnBrk="1" latinLnBrk="0" hangingPunct="1">
-              <a:defRPr sz="1800" kern="1200">
-                <a:solidFill>
-                  <a:schemeClr val="tx1"/>
-                </a:solidFill>
-                <a:latin typeface="+mn-lt"/>
-                <a:ea typeface="+mn-ea"/>
-                <a:cs typeface="+mn-cs"/>
-              </a:defRPr>
-            </a:lvl8pPr>
-            <a:lvl9pPr marL="3657600" algn="l" defTabSz="914400" rtl="0" eaLnBrk="1" latinLnBrk="0" hangingPunct="1">
-              <a:defRPr sz="1800" kern="1200">
-                <a:solidFill>
-                  <a:schemeClr val="tx1"/>
-                </a:solidFill>
-                <a:latin typeface="+mn-lt"/>
-                <a:ea typeface="+mn-ea"/>
-                <a:cs typeface="+mn-cs"/>
-              </a:defRPr>
-            </a:lvl9pPr>
-          </a:lstStyle>
-          <a:p>
-            <a:pPr algn="r"/>
-            <a:fld id="{23162CA8-8998-4CA4-A9BA-23D1B2AE931E}" type="slidenum">
-              <a:rPr lang="en-US" sz="1200" smtClean="0">
-                <a:solidFill>
-                  <a:srgbClr val="F3F2F3"/>
-                </a:solidFill>
-              </a:rPr>
-              <a:pPr algn="r"/>
-              <a:t>8</a:t>
-            </a:fld>
-            <a:endParaRPr lang="en-US" sz="1200" dirty="0">
-              <a:solidFill>
-                <a:srgbClr val="F3F2F3"/>
-              </a:solidFill>
-            </a:endParaRPr>
-          </a:p>
-        </p:txBody>
-      </p:sp>
-      <p:sp>
-        <p:nvSpPr>
-          <p:cNvPr id="8" name="Slide Number Placeholder 1"/>
-          <p:cNvSpPr txBox="1">
-            <a:spLocks/>
-          </p:cNvSpPr>
-          <p:nvPr/>
-        </p:nvSpPr>
-        <p:spPr>
-          <a:xfrm>
-            <a:off x="9344026" y="6492876"/>
-            <a:ext cx="2843211" cy="365125"/>
-          </a:xfrm>
-          <a:prstGeom prst="rect">
-            <a:avLst/>
-          </a:prstGeom>
-        </p:spPr>
-        <p:txBody>
-          <a:bodyPr vert="horz" lIns="91440" tIns="45720" rIns="91440" bIns="45720" rtlCol="0" anchor="ctr"/>
-          <a:lstStyle>
-            <a:defPPr>
-              <a:defRPr lang="en-US"/>
-            </a:defPPr>
-            <a:lvl1pPr marL="0" algn="r" defTabSz="914400" rtl="0" eaLnBrk="1" latinLnBrk="0" hangingPunct="1">
-              <a:defRPr sz="1200" kern="1200">
-                <a:solidFill>
-                  <a:schemeClr val="tx1">
-                    <a:lumMod val="95000"/>
-                    <a:lumOff val="5000"/>
-                  </a:schemeClr>
-                </a:solidFill>
-                <a:latin typeface="+mn-lt"/>
-                <a:ea typeface="+mn-ea"/>
-                <a:cs typeface="+mn-cs"/>
-              </a:defRPr>
-            </a:lvl1pPr>
-            <a:lvl2pPr marL="457200" algn="l" defTabSz="914400" rtl="0" eaLnBrk="1" latinLnBrk="0" hangingPunct="1">
-              <a:defRPr sz="1800" kern="1200">
-                <a:solidFill>
-                  <a:schemeClr val="tx1"/>
-                </a:solidFill>
-                <a:latin typeface="+mn-lt"/>
-                <a:ea typeface="+mn-ea"/>
-                <a:cs typeface="+mn-cs"/>
-              </a:defRPr>
-            </a:lvl2pPr>
-            <a:lvl3pPr marL="914400" algn="l" defTabSz="914400" rtl="0" eaLnBrk="1" latinLnBrk="0" hangingPunct="1">
-              <a:defRPr sz="1800" kern="1200">
-                <a:solidFill>
-                  <a:schemeClr val="tx1"/>
-                </a:solidFill>
-                <a:latin typeface="+mn-lt"/>
-                <a:ea typeface="+mn-ea"/>
-                <a:cs typeface="+mn-cs"/>
-              </a:defRPr>
-            </a:lvl3pPr>
-            <a:lvl4pPr marL="1371600" algn="l" defTabSz="914400" rtl="0" eaLnBrk="1" latinLnBrk="0" hangingPunct="1">
-              <a:defRPr sz="1800" kern="1200">
-                <a:solidFill>
-                  <a:schemeClr val="tx1"/>
-                </a:solidFill>
-                <a:latin typeface="+mn-lt"/>
-                <a:ea typeface="+mn-ea"/>
-                <a:cs typeface="+mn-cs"/>
-              </a:defRPr>
-            </a:lvl4pPr>
-            <a:lvl5pPr marL="1828800" algn="l" defTabSz="914400" rtl="0" eaLnBrk="1" latinLnBrk="0" hangingPunct="1">
-              <a:defRPr sz="1800" kern="1200">
-                <a:solidFill>
-                  <a:schemeClr val="tx1"/>
-                </a:solidFill>
-                <a:latin typeface="+mn-lt"/>
-                <a:ea typeface="+mn-ea"/>
-                <a:cs typeface="+mn-cs"/>
-              </a:defRPr>
-            </a:lvl5pPr>
-            <a:lvl6pPr marL="2286000" algn="l" defTabSz="914400" rtl="0" eaLnBrk="1" latinLnBrk="0" hangingPunct="1">
-              <a:defRPr sz="1800" kern="1200">
-                <a:solidFill>
-                  <a:schemeClr val="tx1"/>
-                </a:solidFill>
-                <a:latin typeface="+mn-lt"/>
-                <a:ea typeface="+mn-ea"/>
-                <a:cs typeface="+mn-cs"/>
-              </a:defRPr>
-            </a:lvl6pPr>
-            <a:lvl7pPr marL="2743200" algn="l" defTabSz="914400" rtl="0" eaLnBrk="1" latinLnBrk="0" hangingPunct="1">
-              <a:defRPr sz="1800" kern="1200">
-                <a:solidFill>
-                  <a:schemeClr val="tx1"/>
-                </a:solidFill>
-                <a:latin typeface="+mn-lt"/>
-                <a:ea typeface="+mn-ea"/>
-                <a:cs typeface="+mn-cs"/>
-              </a:defRPr>
-            </a:lvl7pPr>
-            <a:lvl8pPr marL="3200400" algn="l" defTabSz="914400" rtl="0" eaLnBrk="1" latinLnBrk="0" hangingPunct="1">
-              <a:defRPr sz="1800" kern="1200">
-                <a:solidFill>
-                  <a:schemeClr val="tx1"/>
-                </a:solidFill>
-                <a:latin typeface="+mn-lt"/>
-                <a:ea typeface="+mn-ea"/>
-                <a:cs typeface="+mn-cs"/>
-              </a:defRPr>
-            </a:lvl8pPr>
-            <a:lvl9pPr marL="3657600" algn="l" defTabSz="914400" rtl="0" eaLnBrk="1" latinLnBrk="0" hangingPunct="1">
-              <a:defRPr sz="1800" kern="1200">
-                <a:solidFill>
-                  <a:schemeClr val="tx1"/>
-                </a:solidFill>
-                <a:latin typeface="+mn-lt"/>
-                <a:ea typeface="+mn-ea"/>
-                <a:cs typeface="+mn-cs"/>
-              </a:defRPr>
-            </a:lvl9pPr>
-          </a:lstStyle>
-          <a:p>
-            <a:fld id="{23162CA8-8998-4CA4-A9BA-23D1B2AE931E}" type="slidenum">
-              <a:rPr lang="en-US" smtClean="0">
-                <a:solidFill>
-                  <a:srgbClr val="F3F2F3"/>
-                </a:solidFill>
-              </a:rPr>
-              <a:pPr/>
-              <a:t>8</a:t>
-            </a:fld>
-            <a:endParaRPr lang="en-US" dirty="0">
-              <a:solidFill>
-                <a:srgbClr val="F3F2F3"/>
-              </a:solidFill>
-            </a:endParaRPr>
-          </a:p>
-        </p:txBody>
-      </p:sp>
-      <p:sp>
-        <p:nvSpPr>
-          <p:cNvPr id="9" name="Content Placeholder 2"/>
-          <p:cNvSpPr>
-            <a:spLocks noGrp="1"/>
-          </p:cNvSpPr>
-          <p:nvPr>
-            <p:ph type="body" idx="13"/>
-          </p:nvPr>
-        </p:nvSpPr>
-        <p:spPr>
-          <a:xfrm>
-            <a:off x="243341" y="1610335"/>
-            <a:ext cx="8801101" cy="678871"/>
-          </a:xfrm>
-        </p:spPr>
-        <p:txBody>
-          <a:bodyPr/>
-          <a:lstStyle/>
-          <a:p>
-            <a:r>
-              <a:rPr lang="en-US" b="1" i="1" dirty="0"/>
-              <a:t>Subtitle</a:t>
-            </a:r>
-          </a:p>
-        </p:txBody>
-      </p:sp>
-    </p:spTree>
-    <p:extLst>
-      <p:ext uri="{BB962C8B-B14F-4D97-AF65-F5344CB8AC3E}">
-        <p14:creationId xmlns:p14="http://schemas.microsoft.com/office/powerpoint/2010/main" val="65518984"/>
-      </p:ext>
-    </p:extLst>
-  </p:cSld>
-  <p:clrMapOvr>
-    <a:masterClrMapping/>
-  </p:clrMapOvr>
-  <mc:AlternateContent xmlns:mc="http://schemas.openxmlformats.org/markup-compatibility/2006" xmlns:p14="http://schemas.microsoft.com/office/powerpoint/2010/main">
-    <mc:Choice Requires="p14">
-      <p:transition spd="med" p14:dur="700">
-        <p:fade/>
-      </p:transition>
-    </mc:Choice>
-    <mc:Fallback xmlns="">
-      <p:transition spd="med">
-        <p:fade/>
-      </p:transition>
-    </mc:Fallback>
-  </mc:AlternateContent>
-</p:sld>
-</file>
-
-<file path=ppt/slides/slide9.xml><?xml version="1.0" encoding="utf-8"?>
+<file path=ppt/slides/slide7.xml><?xml version="1.0" encoding="utf-8"?>
 <p:sld xmlns:a="http://schemas.openxmlformats.org/drawingml/2006/main" xmlns:r="http://schemas.openxmlformats.org/officeDocument/2006/relationships" xmlns:p="http://schemas.openxmlformats.org/presentationml/2006/main">
   <p:cSld>
     <p:spTree>

--- a/Final_Slides_Template.pptx
+++ b/Final_Slides_Template.pptx
@@ -12316,11 +12316,36 @@
             <a:pPr lvl="1"/>
             <a:r>
               <a:rPr lang="en-US" dirty="0" smtClean="0"/>
-              <a:t>Determine a reasonable </a:t>
+              <a:t>Determine a reasonable definition</a:t>
             </a:r>
+          </a:p>
+          <a:p>
+            <a:pPr lvl="1"/>
+            <a:endParaRPr lang="en-US" dirty="0"/>
+          </a:p>
+          <a:p>
+            <a:pPr lvl="1"/>
+            <a:endParaRPr lang="en-US" dirty="0" smtClean="0"/>
+          </a:p>
+          <a:p>
+            <a:pPr lvl="1"/>
+            <a:endParaRPr lang="en-US" dirty="0"/>
+          </a:p>
+          <a:p>
+            <a:pPr lvl="1"/>
+            <a:endParaRPr lang="en-US" dirty="0" smtClean="0"/>
+          </a:p>
+          <a:p>
+            <a:pPr lvl="1"/>
+            <a:endParaRPr lang="en-US" dirty="0"/>
+          </a:p>
+          <a:p>
+            <a:pPr lvl="1"/>
             <a:r>
-              <a:rPr lang="en-US" dirty="0" err="1" smtClean="0"/>
-              <a:t>defintion</a:t>
+              <a:rPr lang="en-US" dirty="0" smtClean="0">
+                <a:hlinkClick r:id="rId3"/>
+              </a:rPr>
+              <a:t>Steph Curry Video</a:t>
             </a:r>
             <a:endParaRPr lang="en-US" dirty="0"/>
           </a:p>
@@ -13634,21 +13659,39 @@
           <a:lstStyle/>
           <a:p>
             <a:r>
-              <a:rPr lang="en-US" sz="3000" dirty="0"/>
-              <a:t>Bullet</a:t>
+              <a:rPr lang="en-US" sz="3000" dirty="0" smtClean="0"/>
+              <a:t>Logistic Regression</a:t>
             </a:r>
+            <a:endParaRPr lang="en-US" sz="3000" dirty="0"/>
           </a:p>
           <a:p>
             <a:r>
-              <a:rPr lang="en-US" sz="3000" dirty="0"/>
-              <a:t>Bullet</a:t>
+              <a:rPr lang="en-US" sz="3000" dirty="0" smtClean="0"/>
+              <a:t>Three Models Fit</a:t>
             </a:r>
-          </a:p>
-          <a:p>
+            <a:endParaRPr lang="en-US" sz="3000" dirty="0"/>
+          </a:p>
+          <a:p>
+            <a:pPr lvl="1"/>
             <a:r>
-              <a:rPr lang="en-US" sz="3000" dirty="0"/>
-              <a:t>Visualization</a:t>
+              <a:rPr lang="en-US" dirty="0" smtClean="0"/>
+              <a:t>Model 1</a:t>
             </a:r>
+          </a:p>
+          <a:p>
+            <a:pPr lvl="1"/>
+            <a:r>
+              <a:rPr lang="en-US" dirty="0" smtClean="0"/>
+              <a:t>Model 2</a:t>
+            </a:r>
+          </a:p>
+          <a:p>
+            <a:pPr lvl="1"/>
+            <a:r>
+              <a:rPr lang="en-US" dirty="0" smtClean="0"/>
+              <a:t>Model 3</a:t>
+            </a:r>
+            <a:endParaRPr lang="en-US" dirty="0"/>
           </a:p>
         </p:txBody>
       </p:sp>
@@ -13965,9 +14008,10 @@
           <a:lstStyle/>
           <a:p>
             <a:r>
-              <a:rPr lang="en-US" b="1" i="1" dirty="0"/>
-              <a:t>Subtitle</a:t>
+              <a:rPr lang="en-US" b="1" i="1" dirty="0" smtClean="0"/>
+              <a:t>Predicting possessions as a classification problem</a:t>
             </a:r>
+            <a:endParaRPr lang="en-US" b="1" i="1" dirty="0"/>
           </a:p>
         </p:txBody>
       </p:sp>
@@ -14041,45 +14085,35 @@
           </a:p>
         </p:txBody>
       </p:sp>
-      <p:sp>
-        <p:nvSpPr>
-          <p:cNvPr id="3" name="Content Placeholder 2"/>
-          <p:cNvSpPr>
-            <a:spLocks noGrp="1"/>
-          </p:cNvSpPr>
+      <p:pic>
+        <p:nvPicPr>
+          <p:cNvPr id="4" name="Content Placeholder 3"/>
+          <p:cNvPicPr>
+            <a:picLocks noGrp="1" noChangeAspect="1"/>
+          </p:cNvPicPr>
           <p:nvPr>
             <p:ph idx="1"/>
           </p:nvPr>
-        </p:nvSpPr>
+        </p:nvPicPr>
+        <p:blipFill>
+          <a:blip r:embed="rId3">
+            <a:extLst>
+              <a:ext uri="{28A0092B-C50C-407E-A947-70E740481C1C}">
+                <a14:useLocalDpi xmlns:a14="http://schemas.microsoft.com/office/drawing/2010/main" val="0"/>
+              </a:ext>
+            </a:extLst>
+          </a:blip>
+          <a:stretch>
+            <a:fillRect/>
+          </a:stretch>
+        </p:blipFill>
         <p:spPr>
           <a:xfrm>
-            <a:off x="243341" y="2289206"/>
-            <a:ext cx="8030742" cy="2202873"/>
+            <a:off x="357097" y="2289177"/>
+            <a:ext cx="7084227" cy="3601419"/>
           </a:xfrm>
         </p:spPr>
-        <p:txBody>
-          <a:bodyPr/>
-          <a:lstStyle/>
-          <a:p>
-            <a:r>
-              <a:rPr lang="en-US" sz="3000" dirty="0"/>
-              <a:t>Bullet</a:t>
-            </a:r>
-          </a:p>
-          <a:p>
-            <a:r>
-              <a:rPr lang="en-US" sz="3000" dirty="0"/>
-              <a:t>Bullet</a:t>
-            </a:r>
-          </a:p>
-          <a:p>
-            <a:r>
-              <a:rPr lang="en-US" sz="3000" dirty="0"/>
-              <a:t>Visualization</a:t>
-            </a:r>
-          </a:p>
-        </p:txBody>
-      </p:sp>
+      </p:pic>
       <p:sp>
         <p:nvSpPr>
           <p:cNvPr id="5" name="Slide Number Placeholder 4"/>
@@ -14393,9 +14427,10 @@
           <a:lstStyle/>
           <a:p>
             <a:r>
-              <a:rPr lang="en-US" b="1" i="1" dirty="0"/>
-              <a:t>Subtitle</a:t>
+              <a:rPr lang="en-US" b="1" i="1" dirty="0" smtClean="0"/>
+              <a:t>How did the models perform?</a:t>
             </a:r>
+            <a:endParaRPr lang="en-US" b="1" i="1" dirty="0"/>
           </a:p>
         </p:txBody>
       </p:sp>
